--- a/Meetings/M3 - Methodology.pptx
+++ b/Meetings/M3 - Methodology.pptx
@@ -381,7 +381,7 @@
           <a:p>
             <a:fld id="{F5A3E3EB-3873-4FF1-9BD1-827B46B254D8}" type="datetimeFigureOut">
               <a:rPr lang="en-IN" smtClean="0"/>
-              <a:t>25-06-2020</a:t>
+              <a:t>29-06-2020</a:t>
             </a:fld>
             <a:endParaRPr lang="en-IN"/>
           </a:p>
@@ -4222,7 +4222,7 @@
           <a:p>
             <a:fld id="{CAFC3C94-B856-42EB-9356-C4F55524C93C}" type="datetime2">
               <a:rPr lang="en-US" smtClean="0"/>
-              <a:t>Thursday, June 25, 2020</a:t>
+              <a:t>Monday, June 29, 2020</a:t>
             </a:fld>
             <a:endParaRPr/>
           </a:p>
@@ -4927,7 +4927,7 @@
           <a:p>
             <a:fld id="{94D59422-B9C7-46D0-99E1-1223B8353542}" type="datetime2">
               <a:rPr lang="en-US" smtClean="0"/>
-              <a:t>Thursday, June 25, 2020</a:t>
+              <a:t>Monday, June 29, 2020</a:t>
             </a:fld>
             <a:endParaRPr/>
           </a:p>
@@ -5632,7 +5632,7 @@
           <a:p>
             <a:fld id="{E580708D-5BE8-485F-83A8-70647A23E1F7}" type="datetime2">
               <a:rPr lang="en-US" smtClean="0"/>
-              <a:t>Thursday, June 25, 2020</a:t>
+              <a:t>Monday, June 29, 2020</a:t>
             </a:fld>
             <a:endParaRPr/>
           </a:p>
@@ -6374,7 +6374,7 @@
           <a:p>
             <a:fld id="{03C688C8-FD92-4B38-BA9D-0E69E28C2B43}" type="datetime2">
               <a:rPr lang="en-US" smtClean="0"/>
-              <a:t>Thursday, June 25, 2020</a:t>
+              <a:t>Monday, June 29, 2020</a:t>
             </a:fld>
             <a:endParaRPr/>
           </a:p>
@@ -7239,7 +7239,7 @@
           <a:p>
             <a:fld id="{32551F0F-93F0-44BB-8EC9-223C3CD0680E}" type="datetime2">
               <a:rPr lang="en-US" smtClean="0"/>
-              <a:t>Thursday, June 25, 2020</a:t>
+              <a:t>Monday, June 29, 2020</a:t>
             </a:fld>
             <a:endParaRPr/>
           </a:p>
@@ -8425,7 +8425,7 @@
           <a:p>
             <a:fld id="{C7EBE5F5-C9EB-4D3D-88CA-81F4D5023532}" type="datetime2">
               <a:rPr lang="en-US" smtClean="0"/>
-              <a:t>Thursday, June 25, 2020</a:t>
+              <a:t>Monday, June 29, 2020</a:t>
             </a:fld>
             <a:endParaRPr/>
           </a:p>
@@ -8970,7 +8970,7 @@
           <a:p>
             <a:fld id="{CEC3D1CD-09A6-464E-A126-843AAE4EEECA}" type="datetime2">
               <a:rPr lang="en-US" smtClean="0"/>
-              <a:t>Thursday, June 25, 2020</a:t>
+              <a:t>Monday, June 29, 2020</a:t>
             </a:fld>
             <a:endParaRPr/>
           </a:p>
@@ -9836,7 +9836,7 @@
           <a:p>
             <a:fld id="{4A848557-B32E-4A3E-BE5D-F19436A67598}" type="datetime2">
               <a:rPr lang="en-US" smtClean="0"/>
-              <a:t>Thursday, June 25, 2020</a:t>
+              <a:t>Monday, June 29, 2020</a:t>
             </a:fld>
             <a:endParaRPr/>
           </a:p>
@@ -10783,7 +10783,7 @@
           <a:p>
             <a:fld id="{B98D4A07-BFB4-4531-A9D2-6BB3FD11AD6F}" type="datetime2">
               <a:rPr lang="en-US" smtClean="0"/>
-              <a:t>Thursday, June 25, 2020</a:t>
+              <a:t>Monday, June 29, 2020</a:t>
             </a:fld>
             <a:endParaRPr/>
           </a:p>
@@ -11488,7 +11488,7 @@
           <a:p>
             <a:fld id="{4256813B-7FAF-47B8-BA18-7D0E01286269}" type="datetime2">
               <a:rPr lang="en-US" smtClean="0"/>
-              <a:t>Thursday, June 25, 2020</a:t>
+              <a:t>Monday, June 29, 2020</a:t>
             </a:fld>
             <a:endParaRPr/>
           </a:p>
@@ -12368,7 +12368,7 @@
           <a:p>
             <a:fld id="{CE29E9FE-CCC5-48C0-BEEA-74CFE93B8667}" type="datetime2">
               <a:rPr lang="en-US" smtClean="0"/>
-              <a:t>Thursday, June 25, 2020</a:t>
+              <a:t>Monday, June 29, 2020</a:t>
             </a:fld>
             <a:endParaRPr/>
           </a:p>
@@ -13984,7 +13984,7 @@
           <a:p>
             <a:fld id="{E580708D-5BE8-485F-83A8-70647A23E1F7}" type="datetime2">
               <a:rPr lang="en-US" smtClean="0"/>
-              <a:t>Thursday, June 25, 2020</a:t>
+              <a:t>Monday, June 29, 2020</a:t>
             </a:fld>
             <a:endParaRPr lang="en-US"/>
           </a:p>
@@ -14211,7 +14211,7 @@
           <a:p>
             <a:fld id="{E580708D-5BE8-485F-83A8-70647A23E1F7}" type="datetime2">
               <a:rPr lang="en-US" smtClean="0"/>
-              <a:t>Thursday, June 25, 2020</a:t>
+              <a:t>Monday, June 29, 2020</a:t>
             </a:fld>
             <a:endParaRPr lang="en-US"/>
           </a:p>
@@ -14458,7 +14458,7 @@
           <a:p>
             <a:fld id="{E580708D-5BE8-485F-83A8-70647A23E1F7}" type="datetime2">
               <a:rPr lang="en-US" smtClean="0"/>
-              <a:t>Thursday, June 25, 2020</a:t>
+              <a:t>Monday, June 29, 2020</a:t>
             </a:fld>
             <a:endParaRPr lang="en-US"/>
           </a:p>
@@ -14824,7 +14824,7 @@
           <a:p>
             <a:fld id="{E580708D-5BE8-485F-83A8-70647A23E1F7}" type="datetime2">
               <a:rPr lang="en-US" smtClean="0"/>
-              <a:t>Thursday, June 25, 2020</a:t>
+              <a:t>Monday, June 29, 2020</a:t>
             </a:fld>
             <a:endParaRPr lang="en-US"/>
           </a:p>
@@ -15244,7 +15244,7 @@
             </a:pPr>
             <a:fld id="{1B032127-C49F-4CB0-A08C-2F13C8CF5C39}" type="datetime2">
               <a:rPr lang="en-US" smtClean="0"/>
-              <a:t>Thursday, June 25, 2020</a:t>
+              <a:t>Monday, June 29, 2020</a:t>
             </a:fld>
             <a:endParaRPr/>
           </a:p>
@@ -15536,7 +15536,7 @@
             </a:pPr>
             <a:fld id="{73516F77-42A0-4389-B29F-BBC66A1400FA}" type="datetime2">
               <a:rPr lang="en-US" smtClean="0"/>
-              <a:t>Thursday, June 25, 2020</a:t>
+              <a:t>Monday, June 29, 2020</a:t>
             </a:fld>
             <a:endParaRPr/>
           </a:p>
@@ -15547,7 +15547,7 @@
           <p:cNvPr id="7" name="image2.png">
             <a:extLst>
               <a:ext uri="{FF2B5EF4-FFF2-40B4-BE49-F238E27FC236}">
-                <a16:creationId xmlns="" xmlns:a16="http://schemas.microsoft.com/office/drawing/2014/main" id="{CCF53122-6AEC-4386-9505-45FC236FCDF1}"/>
+                <a16:creationId xmlns:a16="http://schemas.microsoft.com/office/drawing/2014/main" xmlns="" id="{CCF53122-6AEC-4386-9505-45FC236FCDF1}"/>
               </a:ext>
             </a:extLst>
           </p:cNvPr>
@@ -15845,7 +15845,7 @@
             </a:pPr>
             <a:fld id="{E11AD3BD-E11B-495B-813F-1DB2CAD94292}" type="datetime2">
               <a:rPr lang="en-US" smtClean="0"/>
-              <a:t>Thursday, June 25, 2020</a:t>
+              <a:t>Monday, June 29, 2020</a:t>
             </a:fld>
             <a:endParaRPr/>
           </a:p>
@@ -15856,7 +15856,7 @@
           <p:cNvPr id="8" name="image1.png">
             <a:extLst>
               <a:ext uri="{FF2B5EF4-FFF2-40B4-BE49-F238E27FC236}">
-                <a16:creationId xmlns="" xmlns:a16="http://schemas.microsoft.com/office/drawing/2014/main" id="{702614E3-1C12-44A8-BE08-817190C1C1CB}"/>
+                <a16:creationId xmlns:a16="http://schemas.microsoft.com/office/drawing/2014/main" xmlns="" id="{702614E3-1C12-44A8-BE08-817190C1C1CB}"/>
               </a:ext>
             </a:extLst>
           </p:cNvPr>
@@ -16126,7 +16126,7 @@
             </a:pPr>
             <a:fld id="{5224DE4B-1F34-4272-9394-52D8E6B97EB6}" type="datetime2">
               <a:rPr lang="en-US" smtClean="0"/>
-              <a:t>Thursday, June 25, 2020</a:t>
+              <a:t>Monday, June 29, 2020</a:t>
             </a:fld>
             <a:endParaRPr/>
           </a:p>
@@ -16137,7 +16137,7 @@
           <p:cNvPr id="8" name="image3.png">
             <a:extLst>
               <a:ext uri="{FF2B5EF4-FFF2-40B4-BE49-F238E27FC236}">
-                <a16:creationId xmlns="" xmlns:a16="http://schemas.microsoft.com/office/drawing/2014/main" id="{1C47D3C8-57DB-4F71-80E1-81CF6FC08C80}"/>
+                <a16:creationId xmlns:a16="http://schemas.microsoft.com/office/drawing/2014/main" xmlns="" id="{1C47D3C8-57DB-4F71-80E1-81CF6FC08C80}"/>
               </a:ext>
             </a:extLst>
           </p:cNvPr>
@@ -16472,7 +16472,7 @@
             </a:pPr>
             <a:fld id="{DFBD737E-D84D-4B1B-81A1-E850FE177047}" type="datetime2">
               <a:rPr lang="en-US" smtClean="0"/>
-              <a:t>Thursday, June 25, 2020</a:t>
+              <a:t>Monday, June 29, 2020</a:t>
             </a:fld>
             <a:endParaRPr dirty="0"/>
           </a:p>
@@ -16778,7 +16778,7 @@
             </a:pPr>
             <a:fld id="{434D891F-1481-416A-99DB-6912C137B3B5}" type="datetime2">
               <a:rPr lang="en-US" smtClean="0"/>
-              <a:t>Thursday, June 25, 2020</a:t>
+              <a:t>Monday, June 29, 2020</a:t>
             </a:fld>
             <a:endParaRPr/>
           </a:p>
@@ -17200,7 +17200,7 @@
             </a:pPr>
             <a:fld id="{641E02E7-9760-43BA-A479-95D57DA636C9}" type="datetime2">
               <a:rPr lang="en-US" smtClean="0"/>
-              <a:t>Thursday, June 25, 2020</a:t>
+              <a:t>Monday, June 29, 2020</a:t>
             </a:fld>
             <a:endParaRPr/>
           </a:p>
@@ -17404,7 +17404,7 @@
           <a:p>
             <a:fld id="{E580708D-5BE8-485F-83A8-70647A23E1F7}" type="datetime2">
               <a:rPr lang="en-US" smtClean="0"/>
-              <a:t>Thursday, June 25, 2020</a:t>
+              <a:t>Monday, June 29, 2020</a:t>
             </a:fld>
             <a:endParaRPr lang="en-US"/>
           </a:p>
@@ -17776,11 +17776,7 @@
           <a:p>
             <a:r>
               <a:rPr lang="en-IN" dirty="0" smtClean="0"/>
-              <a:t>K-Nearest </a:t>
-            </a:r>
-            <a:r>
-              <a:rPr lang="en-IN" dirty="0" smtClean="0"/>
-              <a:t>Neighbours</a:t>
+              <a:t>K-Nearest Neighbours</a:t>
             </a:r>
             <a:endParaRPr lang="en-IN" dirty="0"/>
           </a:p>
@@ -17810,15 +17806,7 @@
                 <a:ea typeface="Cambria" panose="02040503050406030204" pitchFamily="18" charset="0"/>
                 <a:cs typeface="Times New Roman" panose="02020603050405020304" pitchFamily="18" charset="0"/>
               </a:rPr>
-              <a:t>Another interesting ML algorithm that one can use here is kNN (k nearest </a:t>
-            </a:r>
-            <a:r>
-              <a:rPr lang="en-US" sz="2000" dirty="0">
-                <a:latin typeface="Times New Roman" panose="02020603050405020304" pitchFamily="18" charset="0"/>
-                <a:ea typeface="Cambria" panose="02040503050406030204" pitchFamily="18" charset="0"/>
-                <a:cs typeface="Times New Roman" panose="02020603050405020304" pitchFamily="18" charset="0"/>
-              </a:rPr>
-              <a:t>N</a:t>
+              <a:t>Another interesting ML algorithm that one can use here is kNN (k nearest N</a:t>
             </a:r>
             <a:r>
               <a:rPr lang="en-US" sz="2000" dirty="0" smtClean="0">
@@ -17900,7 +17888,7 @@
           <a:p>
             <a:fld id="{E580708D-5BE8-485F-83A8-70647A23E1F7}" type="datetime2">
               <a:rPr lang="en-US" smtClean="0"/>
-              <a:t>Thursday, June 25, 2020</a:t>
+              <a:t>Monday, June 29, 2020</a:t>
             </a:fld>
             <a:endParaRPr lang="en-US"/>
           </a:p>
@@ -18192,7 +18180,7 @@
           <a:p>
             <a:fld id="{E580708D-5BE8-485F-83A8-70647A23E1F7}" type="datetime2">
               <a:rPr lang="en-US" smtClean="0"/>
-              <a:t>Thursday, June 25, 2020</a:t>
+              <a:t>Monday, June 29, 2020</a:t>
             </a:fld>
             <a:endParaRPr lang="en-US"/>
           </a:p>
@@ -18470,7 +18458,7 @@
           <a:p>
             <a:fld id="{E580708D-5BE8-485F-83A8-70647A23E1F7}" type="datetime2">
               <a:rPr lang="en-US" smtClean="0"/>
-              <a:t>Thursday, June 25, 2020</a:t>
+              <a:t>Monday, June 29, 2020</a:t>
             </a:fld>
             <a:endParaRPr lang="en-US"/>
           </a:p>
@@ -18733,7 +18721,7 @@
           <a:p>
             <a:fld id="{E580708D-5BE8-485F-83A8-70647A23E1F7}" type="datetime2">
               <a:rPr lang="en-US" smtClean="0"/>
-              <a:t>Thursday, June 25, 2020</a:t>
+              <a:t>Monday, June 29, 2020</a:t>
             </a:fld>
             <a:endParaRPr lang="en-US"/>
           </a:p>
@@ -18897,7 +18885,7 @@
         </p:nvSpPr>
         <p:spPr>
           <a:xfrm>
-            <a:off x="457200" y="1425012"/>
+            <a:off x="457200" y="1417638"/>
             <a:ext cx="8229600" cy="4525963"/>
           </a:xfrm>
           <a:prstGeom prst="rect">
@@ -18919,7 +18907,10 @@
               <a:buAutoNum type="arabicPeriod"/>
             </a:pPr>
             <a:r>
-              <a:rPr lang="en-IN" sz="1400" dirty="0"/>
+              <a:rPr lang="en-IN" sz="1100" dirty="0">
+                <a:latin typeface="Times New Roman" panose="02020603050405020304" pitchFamily="18" charset="0"/>
+                <a:cs typeface="Times New Roman" panose="02020603050405020304" pitchFamily="18" charset="0"/>
+              </a:rPr>
               <a:t>A 6 Step Field Guide for Building Machine Learning Projects by Daniel Bourke </a:t>
             </a:r>
           </a:p>
@@ -18929,7 +18920,10 @@
               <a:buAutoNum type="arabicPeriod"/>
             </a:pPr>
             <a:r>
-              <a:rPr lang="en-IN" sz="1400" dirty="0"/>
+              <a:rPr lang="en-IN" sz="1100" dirty="0">
+                <a:latin typeface="Times New Roman" panose="02020603050405020304" pitchFamily="18" charset="0"/>
+                <a:cs typeface="Times New Roman" panose="02020603050405020304" pitchFamily="18" charset="0"/>
+              </a:rPr>
               <a:t>Introduction to Time Series Forecasting With Python by Jason Brownlee</a:t>
             </a:r>
           </a:p>
@@ -18939,39 +18933,66 @@
               <a:buAutoNum type="arabicPeriod"/>
             </a:pPr>
             <a:r>
-              <a:rPr lang="en-IN" sz="1400" dirty="0"/>
+              <a:rPr lang="en-IN" sz="1100" dirty="0">
+                <a:latin typeface="Times New Roman" panose="02020603050405020304" pitchFamily="18" charset="0"/>
+                <a:cs typeface="Times New Roman" panose="02020603050405020304" pitchFamily="18" charset="0"/>
+              </a:rPr>
               <a:t>Contreras, 1. </a:t>
             </a:r>
             <a:r>
-              <a:rPr lang="en-IN" sz="1400" dirty="0" err="1"/>
+              <a:rPr lang="en-IN" sz="1100" dirty="0" err="1">
+                <a:latin typeface="Times New Roman" panose="02020603050405020304" pitchFamily="18" charset="0"/>
+                <a:cs typeface="Times New Roman" panose="02020603050405020304" pitchFamily="18" charset="0"/>
+              </a:rPr>
               <a:t>Espinola</a:t>
             </a:r>
             <a:r>
-              <a:rPr lang="en-IN" sz="1400" dirty="0"/>
+              <a:rPr lang="en-IN" sz="1100" dirty="0">
+                <a:latin typeface="Times New Roman" panose="02020603050405020304" pitchFamily="18" charset="0"/>
+                <a:cs typeface="Times New Roman" panose="02020603050405020304" pitchFamily="18" charset="0"/>
+              </a:rPr>
               <a:t>, </a:t>
             </a:r>
             <a:r>
-              <a:rPr lang="en-IN" sz="1400" dirty="0" err="1"/>
+              <a:rPr lang="en-IN" sz="1100" dirty="0" err="1">
+                <a:latin typeface="Times New Roman" panose="02020603050405020304" pitchFamily="18" charset="0"/>
+                <a:cs typeface="Times New Roman" panose="02020603050405020304" pitchFamily="18" charset="0"/>
+              </a:rPr>
               <a:t>R.NogaJes</a:t>
             </a:r>
             <a:r>
-              <a:rPr lang="en-IN" sz="1400" dirty="0"/>
+              <a:rPr lang="en-IN" sz="1100" dirty="0">
+                <a:latin typeface="Times New Roman" panose="02020603050405020304" pitchFamily="18" charset="0"/>
+                <a:cs typeface="Times New Roman" panose="02020603050405020304" pitchFamily="18" charset="0"/>
+              </a:rPr>
               <a:t>, F1.and </a:t>
             </a:r>
             <a:r>
-              <a:rPr lang="en-IN" sz="1400" dirty="0" err="1"/>
+              <a:rPr lang="en-IN" sz="1100" dirty="0" err="1">
+                <a:latin typeface="Times New Roman" panose="02020603050405020304" pitchFamily="18" charset="0"/>
+                <a:cs typeface="Times New Roman" panose="02020603050405020304" pitchFamily="18" charset="0"/>
+              </a:rPr>
               <a:t>conejo,AJ</a:t>
             </a:r>
             <a:r>
-              <a:rPr lang="en-IN" sz="1400" dirty="0"/>
+              <a:rPr lang="en-IN" sz="1100" dirty="0">
+                <a:latin typeface="Times New Roman" panose="02020603050405020304" pitchFamily="18" charset="0"/>
+                <a:cs typeface="Times New Roman" panose="02020603050405020304" pitchFamily="18" charset="0"/>
+              </a:rPr>
               <a:t>.(2003) "ARIMA models to predict next day electricity prices", IFEE transactions on power system, vo1.18, </a:t>
             </a:r>
             <a:r>
-              <a:rPr lang="en-IN" sz="1400" dirty="0" err="1"/>
+              <a:rPr lang="en-IN" sz="1100" dirty="0" err="1">
+                <a:latin typeface="Times New Roman" panose="02020603050405020304" pitchFamily="18" charset="0"/>
+                <a:cs typeface="Times New Roman" panose="02020603050405020304" pitchFamily="18" charset="0"/>
+              </a:rPr>
               <a:t>noJ,pp</a:t>
             </a:r>
             <a:r>
-              <a:rPr lang="en-IN" sz="1400" dirty="0"/>
+              <a:rPr lang="en-IN" sz="1100" dirty="0">
+                <a:latin typeface="Times New Roman" panose="02020603050405020304" pitchFamily="18" charset="0"/>
+                <a:cs typeface="Times New Roman" panose="02020603050405020304" pitchFamily="18" charset="0"/>
+              </a:rPr>
               <a:t>: I 014-1 020.</a:t>
             </a:r>
           </a:p>
@@ -18981,23 +19002,38 @@
               <a:buAutoNum type="arabicPeriod"/>
             </a:pPr>
             <a:r>
-              <a:rPr lang="en-IN" sz="1400" dirty="0"/>
+              <a:rPr lang="en-IN" sz="1100" dirty="0">
+                <a:latin typeface="Times New Roman" panose="02020603050405020304" pitchFamily="18" charset="0"/>
+                <a:cs typeface="Times New Roman" panose="02020603050405020304" pitchFamily="18" charset="0"/>
+              </a:rPr>
               <a:t>Kumar; K </a:t>
             </a:r>
             <a:r>
-              <a:rPr lang="en-IN" sz="1400" dirty="0" err="1"/>
+              <a:rPr lang="en-IN" sz="1100" dirty="0" err="1">
+                <a:latin typeface="Times New Roman" panose="02020603050405020304" pitchFamily="18" charset="0"/>
+                <a:cs typeface="Times New Roman" panose="02020603050405020304" pitchFamily="18" charset="0"/>
+              </a:rPr>
               <a:t>Yadav;A.KSingh</a:t>
             </a:r>
             <a:r>
-              <a:rPr lang="en-IN" sz="1400" dirty="0"/>
+              <a:rPr lang="en-IN" sz="1100" dirty="0">
+                <a:latin typeface="Times New Roman" panose="02020603050405020304" pitchFamily="18" charset="0"/>
+                <a:cs typeface="Times New Roman" panose="02020603050405020304" pitchFamily="18" charset="0"/>
+              </a:rPr>
               <a:t>, M.P; Hassan and </a:t>
             </a:r>
             <a:r>
-              <a:rPr lang="en-IN" sz="1400" dirty="0" err="1"/>
+              <a:rPr lang="en-IN" sz="1100" dirty="0" err="1">
+                <a:latin typeface="Times New Roman" panose="02020603050405020304" pitchFamily="18" charset="0"/>
+                <a:cs typeface="Times New Roman" panose="02020603050405020304" pitchFamily="18" charset="0"/>
+              </a:rPr>
               <a:t>H.Jain,V.K</a:t>
             </a:r>
             <a:r>
-              <a:rPr lang="en-IN" sz="1400" dirty="0"/>
+              <a:rPr lang="en-IN" sz="1100" dirty="0">
+                <a:latin typeface="Times New Roman" panose="02020603050405020304" pitchFamily="18" charset="0"/>
+                <a:cs typeface="Times New Roman" panose="02020603050405020304" pitchFamily="18" charset="0"/>
+              </a:rPr>
               <a:t>(2004)"Forecasting Daily Maximum Surface Ozone".</a:t>
             </a:r>
           </a:p>
@@ -19007,19 +19043,31 @@
               <a:buAutoNum type="arabicPeriod"/>
             </a:pPr>
             <a:r>
-              <a:rPr lang="en-IN" sz="1400" dirty="0" err="1"/>
+              <a:rPr lang="en-IN" sz="1100" dirty="0" err="1">
+                <a:latin typeface="Times New Roman" panose="02020603050405020304" pitchFamily="18" charset="0"/>
+                <a:cs typeface="Times New Roman" panose="02020603050405020304" pitchFamily="18" charset="0"/>
+              </a:rPr>
               <a:t>Tsitsika,E.V;Maravelias,C.D</a:t>
             </a:r>
             <a:r>
-              <a:rPr lang="en-IN" sz="1400" dirty="0"/>
+              <a:rPr lang="en-IN" sz="1100" dirty="0">
+                <a:latin typeface="Times New Roman" panose="02020603050405020304" pitchFamily="18" charset="0"/>
+                <a:cs typeface="Times New Roman" panose="02020603050405020304" pitchFamily="18" charset="0"/>
+              </a:rPr>
               <a:t>&amp; </a:t>
             </a:r>
             <a:r>
-              <a:rPr lang="en-IN" sz="1400" dirty="0" err="1"/>
+              <a:rPr lang="en-IN" sz="1100" dirty="0" err="1">
+                <a:latin typeface="Times New Roman" panose="02020603050405020304" pitchFamily="18" charset="0"/>
+                <a:cs typeface="Times New Roman" panose="02020603050405020304" pitchFamily="18" charset="0"/>
+              </a:rPr>
               <a:t>Haralatous,J</a:t>
             </a:r>
             <a:r>
-              <a:rPr lang="en-IN" sz="1400" dirty="0"/>
+              <a:rPr lang="en-IN" sz="1100" dirty="0">
+                <a:latin typeface="Times New Roman" panose="02020603050405020304" pitchFamily="18" charset="0"/>
+                <a:cs typeface="Times New Roman" panose="02020603050405020304" pitchFamily="18" charset="0"/>
+              </a:rPr>
               <a:t>. (2007)"Modelling and forecasting pelagic fish production using univariate and multivariate ARIMA models". Fisheries science volume 73,pp:979-988.</a:t>
             </a:r>
           </a:p>
@@ -19029,19 +19077,31 @@
               <a:buAutoNum type="arabicPeriod"/>
             </a:pPr>
             <a:r>
-              <a:rPr lang="en-IN" sz="1400" dirty="0" err="1"/>
+              <a:rPr lang="en-IN" sz="1100" dirty="0" err="1">
+                <a:latin typeface="Times New Roman" panose="02020603050405020304" pitchFamily="18" charset="0"/>
+                <a:cs typeface="Times New Roman" panose="02020603050405020304" pitchFamily="18" charset="0"/>
+              </a:rPr>
               <a:t>Datta</a:t>
             </a:r>
             <a:r>
-              <a:rPr lang="en-IN" sz="1400" dirty="0"/>
+              <a:rPr lang="en-IN" sz="1100" dirty="0">
+                <a:latin typeface="Times New Roman" panose="02020603050405020304" pitchFamily="18" charset="0"/>
+                <a:cs typeface="Times New Roman" panose="02020603050405020304" pitchFamily="18" charset="0"/>
+              </a:rPr>
               <a:t> K.(2011)"ARIMA forecasting of Inflation in the Bangladesh </a:t>
             </a:r>
             <a:r>
-              <a:rPr lang="en-IN" sz="1400" dirty="0" err="1"/>
+              <a:rPr lang="en-IN" sz="1100" dirty="0" err="1">
+                <a:latin typeface="Times New Roman" panose="02020603050405020304" pitchFamily="18" charset="0"/>
+                <a:cs typeface="Times New Roman" panose="02020603050405020304" pitchFamily="18" charset="0"/>
+              </a:rPr>
               <a:t>Economy",The</a:t>
             </a:r>
             <a:r>
-              <a:rPr lang="en-IN" sz="1400" dirty="0"/>
+              <a:rPr lang="en-IN" sz="1100" dirty="0">
+                <a:latin typeface="Times New Roman" panose="02020603050405020304" pitchFamily="18" charset="0"/>
+                <a:cs typeface="Times New Roman" panose="02020603050405020304" pitchFamily="18" charset="0"/>
+              </a:rPr>
               <a:t> IUP journal of bank management,voI.X,No.4,pp-7-15.</a:t>
             </a:r>
           </a:p>
@@ -19051,23 +19111,38 @@
               <a:buAutoNum type="arabicPeriod"/>
             </a:pPr>
             <a:r>
-              <a:rPr lang="en-IN" sz="1400" dirty="0"/>
+              <a:rPr lang="en-IN" sz="1100" dirty="0">
+                <a:latin typeface="Times New Roman" panose="02020603050405020304" pitchFamily="18" charset="0"/>
+                <a:cs typeface="Times New Roman" panose="02020603050405020304" pitchFamily="18" charset="0"/>
+              </a:rPr>
               <a:t>D. Banerjee, "Forecasting of Indian stock market using time-series ARIMA model," 2014 2nd International Conference on Business and</a:t>
             </a:r>
             <a:r>
-              <a:rPr lang="en-IN" sz="1400" i="1" dirty="0"/>
+              <a:rPr lang="en-IN" sz="1100" i="1" dirty="0">
+                <a:latin typeface="Times New Roman" panose="02020603050405020304" pitchFamily="18" charset="0"/>
+                <a:cs typeface="Times New Roman" panose="02020603050405020304" pitchFamily="18" charset="0"/>
+              </a:rPr>
               <a:t> </a:t>
             </a:r>
             <a:r>
-              <a:rPr lang="en-IN" sz="1400" dirty="0"/>
+              <a:rPr lang="en-IN" sz="1100" dirty="0">
+                <a:latin typeface="Times New Roman" panose="02020603050405020304" pitchFamily="18" charset="0"/>
+                <a:cs typeface="Times New Roman" panose="02020603050405020304" pitchFamily="18" charset="0"/>
+              </a:rPr>
               <a:t>Information Management (ICBIM), Durgapur, 2014, pp. 131-135, </a:t>
             </a:r>
             <a:r>
-              <a:rPr lang="en-IN" sz="1400" dirty="0" err="1"/>
+              <a:rPr lang="en-IN" sz="1100" dirty="0" err="1">
+                <a:latin typeface="Times New Roman" panose="02020603050405020304" pitchFamily="18" charset="0"/>
+                <a:cs typeface="Times New Roman" panose="02020603050405020304" pitchFamily="18" charset="0"/>
+              </a:rPr>
               <a:t>doi</a:t>
             </a:r>
             <a:r>
-              <a:rPr lang="en-IN" sz="1400" dirty="0"/>
+              <a:rPr lang="en-IN" sz="1100" dirty="0">
+                <a:latin typeface="Times New Roman" panose="02020603050405020304" pitchFamily="18" charset="0"/>
+                <a:cs typeface="Times New Roman" panose="02020603050405020304" pitchFamily="18" charset="0"/>
+              </a:rPr>
               <a:t>: 10.1109/ICBIM.2014.6970973.</a:t>
             </a:r>
           </a:p>
@@ -19077,14 +19152,54 @@
               <a:buAutoNum type="arabicPeriod"/>
             </a:pPr>
             <a:r>
-              <a:rPr lang="en-IN" sz="1400" dirty="0"/>
-              <a:t>“Introduction to Time Series Analysis and Forecasting” by Douglas C. Montgomery, Cheryl L. Jennings, and Murat </a:t>
-            </a:r>
-            <a:r>
-              <a:rPr lang="en-IN" sz="1400" dirty="0" err="1"/>
-              <a:t>Kulahci</a:t>
-            </a:r>
-            <a:endParaRPr lang="en-IN" sz="1400" dirty="0"/>
+              <a:rPr lang="en-IN" sz="1100" dirty="0">
+                <a:latin typeface="Times New Roman" panose="02020603050405020304" pitchFamily="18" charset="0"/>
+                <a:cs typeface="Times New Roman" panose="02020603050405020304" pitchFamily="18" charset="0"/>
+              </a:rPr>
+              <a:t>Q. </a:t>
+            </a:r>
+            <a:r>
+              <a:rPr lang="en-IN" sz="1100" dirty="0" err="1">
+                <a:latin typeface="Times New Roman" panose="02020603050405020304" pitchFamily="18" charset="0"/>
+                <a:cs typeface="Times New Roman" panose="02020603050405020304" pitchFamily="18" charset="0"/>
+              </a:rPr>
+              <a:t>Xie</a:t>
+            </a:r>
+            <a:r>
+              <a:rPr lang="en-IN" sz="1100" dirty="0">
+                <a:latin typeface="Times New Roman" panose="02020603050405020304" pitchFamily="18" charset="0"/>
+                <a:cs typeface="Times New Roman" panose="02020603050405020304" pitchFamily="18" charset="0"/>
+              </a:rPr>
+              <a:t>, G. Cheng, X. Xu, and Z. Zhao, “Research based on stock predicting model of neural networks ensemble learning,” in MATEC Web of Conferences, vol. 232. EDP Sciences, 2018, p. 02029. S. Yao, L. Luo and H. Peng, "High-Frequency Stock Trend Forecast Using LSTM Model," </a:t>
+            </a:r>
+            <a:r>
+              <a:rPr lang="en-IN" sz="1100" i="1" dirty="0">
+                <a:latin typeface="Times New Roman" panose="02020603050405020304" pitchFamily="18" charset="0"/>
+                <a:cs typeface="Times New Roman" panose="02020603050405020304" pitchFamily="18" charset="0"/>
+              </a:rPr>
+              <a:t>2018 13th International Conference on Computer Science &amp; Education (ICCSE)</a:t>
+            </a:r>
+            <a:r>
+              <a:rPr lang="en-IN" sz="1100" dirty="0">
+                <a:latin typeface="Times New Roman" panose="02020603050405020304" pitchFamily="18" charset="0"/>
+                <a:cs typeface="Times New Roman" panose="02020603050405020304" pitchFamily="18" charset="0"/>
+              </a:rPr>
+              <a:t>, Colombo, 2018, pp. 1-4, </a:t>
+            </a:r>
+            <a:r>
+              <a:rPr lang="en-IN" sz="1100" dirty="0" err="1">
+                <a:latin typeface="Times New Roman" panose="02020603050405020304" pitchFamily="18" charset="0"/>
+                <a:cs typeface="Times New Roman" panose="02020603050405020304" pitchFamily="18" charset="0"/>
+              </a:rPr>
+              <a:t>doi</a:t>
+            </a:r>
+            <a:r>
+              <a:rPr lang="en-IN" sz="1100" dirty="0">
+                <a:latin typeface="Times New Roman" panose="02020603050405020304" pitchFamily="18" charset="0"/>
+                <a:cs typeface="Times New Roman" panose="02020603050405020304" pitchFamily="18" charset="0"/>
+              </a:rPr>
+              <a:t>: 10.1109/ICCSE.2018.8468703.</a:t>
+            </a:r>
           </a:p>
           <a:p>
             <a:pPr lvl="0">
@@ -19092,30 +19207,26 @@
               <a:buAutoNum type="arabicPeriod"/>
             </a:pPr>
             <a:r>
-              <a:rPr lang="en-IN" sz="1400" dirty="0"/>
-              <a:t>“Time Series Analysis: Forecasting and Control” by George E. P. Box, </a:t>
-            </a:r>
-            <a:r>
-              <a:rPr lang="en-IN" sz="1400" dirty="0" err="1"/>
-              <a:t>Gwilym</a:t>
-            </a:r>
-            <a:r>
-              <a:rPr lang="en-IN" sz="1400" dirty="0"/>
-              <a:t> M. Jenkins, Gregory C. </a:t>
-            </a:r>
-            <a:r>
-              <a:rPr lang="en-IN" sz="1400" dirty="0" err="1"/>
-              <a:t>Reinsel</a:t>
-            </a:r>
-            <a:r>
-              <a:rPr lang="en-IN" sz="1400" dirty="0"/>
-              <a:t>, and Greta M. </a:t>
-            </a:r>
-            <a:r>
-              <a:rPr lang="en-IN" sz="1400" dirty="0" err="1"/>
-              <a:t>Ljung</a:t>
-            </a:r>
-            <a:endParaRPr lang="en-IN" sz="1400" dirty="0"/>
+              <a:rPr lang="en-IN" sz="1100" dirty="0">
+                <a:latin typeface="Times New Roman" panose="02020603050405020304" pitchFamily="18" charset="0"/>
+                <a:cs typeface="Times New Roman" panose="02020603050405020304" pitchFamily="18" charset="0"/>
+              </a:rPr>
+              <a:t> F. Qian and X. Chen, "Stock Prediction Based on LSTM under Different Stability," 2019 IEEE 4th International Conference on Cloud Computing and Big Data Analysis (ICCCBDA), Chengdu, China, 2019, pp. 483-486, </a:t>
+            </a:r>
+            <a:r>
+              <a:rPr lang="en-IN" sz="1100" dirty="0" err="1">
+                <a:latin typeface="Times New Roman" panose="02020603050405020304" pitchFamily="18" charset="0"/>
+                <a:cs typeface="Times New Roman" panose="02020603050405020304" pitchFamily="18" charset="0"/>
+              </a:rPr>
+              <a:t>doi</a:t>
+            </a:r>
+            <a:r>
+              <a:rPr lang="en-IN" sz="1100" dirty="0">
+                <a:latin typeface="Times New Roman" panose="02020603050405020304" pitchFamily="18" charset="0"/>
+                <a:cs typeface="Times New Roman" panose="02020603050405020304" pitchFamily="18" charset="0"/>
+              </a:rPr>
+              <a:t>: 10.1109/ICCCBDA.2019.8725709.</a:t>
+            </a:r>
           </a:p>
           <a:p>
             <a:pPr lvl="0">
@@ -19123,7 +19234,154 @@
               <a:buAutoNum type="arabicPeriod"/>
             </a:pPr>
             <a:r>
-              <a:rPr lang="en-IN" sz="1400" dirty="0"/>
+              <a:rPr lang="en-IN" sz="1100" dirty="0">
+                <a:latin typeface="Times New Roman" panose="02020603050405020304" pitchFamily="18" charset="0"/>
+                <a:cs typeface="Times New Roman" panose="02020603050405020304" pitchFamily="18" charset="0"/>
+              </a:rPr>
+              <a:t> </a:t>
+            </a:r>
+            <a:r>
+              <a:rPr lang="en-IN" sz="1100" dirty="0" err="1">
+                <a:latin typeface="Times New Roman" panose="02020603050405020304" pitchFamily="18" charset="0"/>
+                <a:cs typeface="Times New Roman" panose="02020603050405020304" pitchFamily="18" charset="0"/>
+              </a:rPr>
+              <a:t>S.Kamath</a:t>
+            </a:r>
+            <a:r>
+              <a:rPr lang="en-IN" sz="1100" dirty="0">
+                <a:latin typeface="Times New Roman" panose="02020603050405020304" pitchFamily="18" charset="0"/>
+                <a:cs typeface="Times New Roman" panose="02020603050405020304" pitchFamily="18" charset="0"/>
+              </a:rPr>
+              <a:t>, “Stock Market Analysis”, Master’s Projects, pp. 326, 2012</a:t>
+            </a:r>
+          </a:p>
+          <a:p>
+            <a:pPr lvl="0">
+              <a:buFont typeface="+mj-lt"/>
+              <a:buAutoNum type="arabicPeriod"/>
+            </a:pPr>
+            <a:r>
+              <a:rPr lang="en-IN" sz="1100" dirty="0">
+                <a:latin typeface="Times New Roman" panose="02020603050405020304" pitchFamily="18" charset="0"/>
+                <a:cs typeface="Times New Roman" panose="02020603050405020304" pitchFamily="18" charset="0"/>
+              </a:rPr>
+              <a:t> </a:t>
+            </a:r>
+            <a:r>
+              <a:rPr lang="en-IN" sz="1100" dirty="0" err="1">
+                <a:latin typeface="Times New Roman" panose="02020603050405020304" pitchFamily="18" charset="0"/>
+                <a:cs typeface="Times New Roman" panose="02020603050405020304" pitchFamily="18" charset="0"/>
+              </a:rPr>
+              <a:t>P.Domingos</a:t>
+            </a:r>
+            <a:r>
+              <a:rPr lang="en-IN" sz="1100" dirty="0">
+                <a:latin typeface="Times New Roman" panose="02020603050405020304" pitchFamily="18" charset="0"/>
+                <a:cs typeface="Times New Roman" panose="02020603050405020304" pitchFamily="18" charset="0"/>
+              </a:rPr>
+              <a:t>, “A Few Useful Things to Know about Machine </a:t>
+            </a:r>
+            <a:r>
+              <a:rPr lang="en-IN" sz="1100" dirty="0" err="1">
+                <a:latin typeface="Times New Roman" panose="02020603050405020304" pitchFamily="18" charset="0"/>
+                <a:cs typeface="Times New Roman" panose="02020603050405020304" pitchFamily="18" charset="0"/>
+              </a:rPr>
+              <a:t>Learning,”Communications</a:t>
+            </a:r>
+            <a:r>
+              <a:rPr lang="en-IN" sz="1100" dirty="0">
+                <a:latin typeface="Times New Roman" panose="02020603050405020304" pitchFamily="18" charset="0"/>
+                <a:cs typeface="Times New Roman" panose="02020603050405020304" pitchFamily="18" charset="0"/>
+              </a:rPr>
+              <a:t> of the ACM, Vol. 55 No. 10, October 2012.</a:t>
+            </a:r>
+          </a:p>
+          <a:p>
+            <a:pPr lvl="0">
+              <a:buFont typeface="+mj-lt"/>
+              <a:buAutoNum type="arabicPeriod"/>
+            </a:pPr>
+            <a:r>
+              <a:rPr lang="en-IN" sz="1100" dirty="0">
+                <a:latin typeface="Times New Roman" panose="02020603050405020304" pitchFamily="18" charset="0"/>
+                <a:cs typeface="Times New Roman" panose="02020603050405020304" pitchFamily="18" charset="0"/>
+              </a:rPr>
+              <a:t> “Introduction to Time Series Analysis and Forecasting” by Douglas C. Montgomery, Cheryl L. Jennings, and Murat </a:t>
+            </a:r>
+            <a:r>
+              <a:rPr lang="en-IN" sz="1100" dirty="0" err="1">
+                <a:latin typeface="Times New Roman" panose="02020603050405020304" pitchFamily="18" charset="0"/>
+                <a:cs typeface="Times New Roman" panose="02020603050405020304" pitchFamily="18" charset="0"/>
+              </a:rPr>
+              <a:t>Kulahci</a:t>
+            </a:r>
+            <a:endParaRPr lang="en-IN" sz="1100" dirty="0">
+              <a:latin typeface="Times New Roman" panose="02020603050405020304" pitchFamily="18" charset="0"/>
+              <a:cs typeface="Times New Roman" panose="02020603050405020304" pitchFamily="18" charset="0"/>
+            </a:endParaRPr>
+          </a:p>
+          <a:p>
+            <a:pPr lvl="0">
+              <a:buFont typeface="+mj-lt"/>
+              <a:buAutoNum type="arabicPeriod"/>
+            </a:pPr>
+            <a:r>
+              <a:rPr lang="en-IN" sz="1100" dirty="0">
+                <a:latin typeface="Times New Roman" panose="02020603050405020304" pitchFamily="18" charset="0"/>
+                <a:cs typeface="Times New Roman" panose="02020603050405020304" pitchFamily="18" charset="0"/>
+              </a:rPr>
+              <a:t> “Time Series Analysis: Forecasting and Control” by George E. P. Box, </a:t>
+            </a:r>
+            <a:r>
+              <a:rPr lang="en-IN" sz="1100" dirty="0" err="1">
+                <a:latin typeface="Times New Roman" panose="02020603050405020304" pitchFamily="18" charset="0"/>
+                <a:cs typeface="Times New Roman" panose="02020603050405020304" pitchFamily="18" charset="0"/>
+              </a:rPr>
+              <a:t>Gwilym</a:t>
+            </a:r>
+            <a:r>
+              <a:rPr lang="en-IN" sz="1100" dirty="0">
+                <a:latin typeface="Times New Roman" panose="02020603050405020304" pitchFamily="18" charset="0"/>
+                <a:cs typeface="Times New Roman" panose="02020603050405020304" pitchFamily="18" charset="0"/>
+              </a:rPr>
+              <a:t> M. Jenkins, Gregory C. </a:t>
+            </a:r>
+            <a:r>
+              <a:rPr lang="en-IN" sz="1100" dirty="0" err="1">
+                <a:latin typeface="Times New Roman" panose="02020603050405020304" pitchFamily="18" charset="0"/>
+                <a:cs typeface="Times New Roman" panose="02020603050405020304" pitchFamily="18" charset="0"/>
+              </a:rPr>
+              <a:t>Reinsel</a:t>
+            </a:r>
+            <a:r>
+              <a:rPr lang="en-IN" sz="1100" dirty="0">
+                <a:latin typeface="Times New Roman" panose="02020603050405020304" pitchFamily="18" charset="0"/>
+                <a:cs typeface="Times New Roman" panose="02020603050405020304" pitchFamily="18" charset="0"/>
+              </a:rPr>
+              <a:t>, and Greta M. </a:t>
+            </a:r>
+            <a:r>
+              <a:rPr lang="en-IN" sz="1100" dirty="0" err="1">
+                <a:latin typeface="Times New Roman" panose="02020603050405020304" pitchFamily="18" charset="0"/>
+                <a:cs typeface="Times New Roman" panose="02020603050405020304" pitchFamily="18" charset="0"/>
+              </a:rPr>
+              <a:t>Ljung</a:t>
+            </a:r>
+            <a:endParaRPr lang="en-IN" sz="1100" dirty="0">
+              <a:latin typeface="Times New Roman" panose="02020603050405020304" pitchFamily="18" charset="0"/>
+              <a:cs typeface="Times New Roman" panose="02020603050405020304" pitchFamily="18" charset="0"/>
+            </a:endParaRPr>
+          </a:p>
+          <a:p>
+            <a:pPr lvl="0">
+              <a:buFont typeface="+mj-lt"/>
+              <a:buAutoNum type="arabicPeriod"/>
+            </a:pPr>
+            <a:r>
+              <a:rPr lang="en-IN" sz="1100" dirty="0">
+                <a:latin typeface="Times New Roman" panose="02020603050405020304" pitchFamily="18" charset="0"/>
+                <a:cs typeface="Times New Roman" panose="02020603050405020304" pitchFamily="18" charset="0"/>
+              </a:rPr>
               <a:t> Chris Chatfield, "The analysis of time series An introduction"</a:t>
             </a:r>
           </a:p>
@@ -19136,7 +19394,7 @@
               <a:buFont typeface="+mj-lt"/>
               <a:buAutoNum type="arabicPeriod"/>
             </a:pPr>
-            <a:endParaRPr sz="1400" dirty="0">
+            <a:endParaRPr sz="1100" dirty="0">
               <a:latin typeface="Times New Roman" panose="02020603050405020304" pitchFamily="18" charset="0"/>
               <a:ea typeface="Cambria" panose="02040503050406030204" pitchFamily="18" charset="0"/>
               <a:cs typeface="Times New Roman" panose="02020603050405020304" pitchFamily="18" charset="0"/>
@@ -19185,7 +19443,7 @@
             </a:pPr>
             <a:fld id="{E98A49B2-32DD-4D93-BA2C-B53216BE7ADB}" type="datetime2">
               <a:rPr lang="en-US" smtClean="0"/>
-              <a:t>Thursday, June 25, 2020</a:t>
+              <a:t>Monday, June 29, 2020</a:t>
             </a:fld>
             <a:endParaRPr/>
           </a:p>
@@ -19253,10 +19511,10 @@
           <a:lstStyle/>
           <a:p>
             <a:r>
-              <a:rPr lang="en-US" smtClean="0"/>
+              <a:rPr lang="en-US" dirty="0" smtClean="0"/>
               <a:t>STOCK MARKET FORECASTING USING TIME-SERIES ANALYSIS</a:t>
             </a:r>
-            <a:endParaRPr lang="en-IN"/>
+            <a:endParaRPr lang="en-IN" dirty="0"/>
           </a:p>
         </p:txBody>
       </p:sp>
@@ -19764,7 +20022,7 @@
             </a:pPr>
             <a:fld id="{704C6721-1F67-400E-861A-25BBCDCECF04}" type="datetime2">
               <a:rPr lang="en-US" smtClean="0"/>
-              <a:t>Thursday, June 25, 2020</a:t>
+              <a:t>Monday, June 29, 2020</a:t>
             </a:fld>
             <a:endParaRPr dirty="0"/>
           </a:p>
@@ -20230,7 +20488,7 @@
             </a:pPr>
             <a:fld id="{BD40A27F-5B05-410B-95AF-5C878A6D7A95}" type="datetime2">
               <a:rPr lang="en-US" smtClean="0"/>
-              <a:t>Thursday, June 25, 2020</a:t>
+              <a:t>Monday, June 29, 2020</a:t>
             </a:fld>
             <a:endParaRPr/>
           </a:p>
@@ -20337,7 +20595,7 @@
           <a:p>
             <a:fld id="{E580708D-5BE8-485F-83A8-70647A23E1F7}" type="datetime2">
               <a:rPr lang="en-US" smtClean="0"/>
-              <a:t>Thursday, June 25, 2020</a:t>
+              <a:t>Monday, June 29, 2020</a:t>
             </a:fld>
             <a:endParaRPr lang="en-US"/>
           </a:p>
@@ -20943,7 +21201,7 @@
           <a:p>
             <a:fld id="{665D7C35-1955-4046-8E31-EC0C74B7F953}" type="datetime2">
               <a:rPr lang="en-US" smtClean="0"/>
-              <a:t>Thursday, June 25, 2020</a:t>
+              <a:t>Monday, June 29, 2020</a:t>
             </a:fld>
             <a:endParaRPr lang="en-US"/>
           </a:p>
@@ -21572,7 +21830,7 @@
             </a:pPr>
             <a:fld id="{1B37C966-C8E3-49DC-8172-A8AC17B65342}" type="datetime2">
               <a:rPr lang="en-US" smtClean="0"/>
-              <a:t>Thursday, June 25, 2020</a:t>
+              <a:t>Monday, June 29, 2020</a:t>
             </a:fld>
             <a:endParaRPr/>
           </a:p>
@@ -21629,7 +21887,7 @@
           <p:cNvPr id="9" name="Picture 8">
             <a:extLst>
               <a:ext uri="{FF2B5EF4-FFF2-40B4-BE49-F238E27FC236}">
-                <a16:creationId xmlns="" xmlns:a16="http://schemas.microsoft.com/office/drawing/2014/main" id="{828A58BC-2B04-46A0-AD6B-BF5BF7161BAC}"/>
+                <a16:creationId xmlns:a16="http://schemas.microsoft.com/office/drawing/2014/main" xmlns="" id="{828A58BC-2B04-46A0-AD6B-BF5BF7161BAC}"/>
               </a:ext>
             </a:extLst>
           </p:cNvPr>
@@ -21657,7 +21915,7 @@
           <p:cNvPr id="4" name="Rectangle 3">
             <a:extLst>
               <a:ext uri="{FF2B5EF4-FFF2-40B4-BE49-F238E27FC236}">
-                <a16:creationId xmlns="" xmlns:a16="http://schemas.microsoft.com/office/drawing/2014/main" id="{5F850226-0815-4F52-8394-A84F3677BF4F}"/>
+                <a16:creationId xmlns:a16="http://schemas.microsoft.com/office/drawing/2014/main" xmlns="" id="{5F850226-0815-4F52-8394-A84F3677BF4F}"/>
               </a:ext>
             </a:extLst>
           </p:cNvPr>
@@ -21899,7 +22157,143 @@
           </a:bodyPr>
           <a:lstStyle/>
           <a:p>
-            <a:pPr marL="590550" marR="63500" lvl="0" indent="-457200" algn="just">
+            <a:pPr marL="571500" lvl="0" indent="-457200">
+              <a:buFont typeface="+mj-lt"/>
+              <a:buAutoNum type="arabicPeriod"/>
+            </a:pPr>
+            <a:r>
+              <a:rPr lang="en-GB" sz="2000" dirty="0">
+                <a:latin typeface="Times New Roman" panose="02020603050405020304" pitchFamily="18" charset="0"/>
+                <a:cs typeface="Times New Roman" panose="02020603050405020304" pitchFamily="18" charset="0"/>
+              </a:rPr>
+              <a:t>Study of Basics of Time-Series Analysis and Fundamentals of Trading</a:t>
+            </a:r>
+            <a:endParaRPr lang="en-IN" sz="2000" dirty="0">
+              <a:latin typeface="Times New Roman" panose="02020603050405020304" pitchFamily="18" charset="0"/>
+              <a:cs typeface="Times New Roman" panose="02020603050405020304" pitchFamily="18" charset="0"/>
+            </a:endParaRPr>
+          </a:p>
+          <a:p>
+            <a:pPr marL="571500" lvl="0" indent="-457200">
+              <a:buFont typeface="+mj-lt"/>
+              <a:buAutoNum type="arabicPeriod"/>
+            </a:pPr>
+            <a:r>
+              <a:rPr lang="en-GB" sz="2000" dirty="0">
+                <a:latin typeface="Times New Roman" panose="02020603050405020304" pitchFamily="18" charset="0"/>
+                <a:cs typeface="Times New Roman" panose="02020603050405020304" pitchFamily="18" charset="0"/>
+              </a:rPr>
+              <a:t>Collecting of Dataset and Data-set Pre-Processing &amp; Normalization </a:t>
+            </a:r>
+            <a:endParaRPr lang="en-IN" sz="2000" dirty="0">
+              <a:latin typeface="Times New Roman" panose="02020603050405020304" pitchFamily="18" charset="0"/>
+              <a:cs typeface="Times New Roman" panose="02020603050405020304" pitchFamily="18" charset="0"/>
+            </a:endParaRPr>
+          </a:p>
+          <a:p>
+            <a:pPr marL="571500" lvl="0" indent="-457200">
+              <a:buFont typeface="+mj-lt"/>
+              <a:buAutoNum type="arabicPeriod"/>
+            </a:pPr>
+            <a:r>
+              <a:rPr lang="en-GB" sz="2000" dirty="0">
+                <a:latin typeface="Times New Roman" panose="02020603050405020304" pitchFamily="18" charset="0"/>
+                <a:cs typeface="Times New Roman" panose="02020603050405020304" pitchFamily="18" charset="0"/>
+              </a:rPr>
+              <a:t>Study of Different Time-Series Models and Selection of Models</a:t>
+            </a:r>
+            <a:endParaRPr lang="en-IN" sz="2000" dirty="0">
+              <a:latin typeface="Times New Roman" panose="02020603050405020304" pitchFamily="18" charset="0"/>
+              <a:cs typeface="Times New Roman" panose="02020603050405020304" pitchFamily="18" charset="0"/>
+            </a:endParaRPr>
+          </a:p>
+          <a:p>
+            <a:pPr marL="571500" lvl="0" indent="-457200">
+              <a:buFont typeface="+mj-lt"/>
+              <a:buAutoNum type="arabicPeriod"/>
+            </a:pPr>
+            <a:r>
+              <a:rPr lang="en-GB" sz="2000" dirty="0">
+                <a:latin typeface="Times New Roman" panose="02020603050405020304" pitchFamily="18" charset="0"/>
+                <a:cs typeface="Times New Roman" panose="02020603050405020304" pitchFamily="18" charset="0"/>
+              </a:rPr>
+              <a:t>Literature Review</a:t>
+            </a:r>
+            <a:endParaRPr lang="en-IN" sz="2000" dirty="0">
+              <a:latin typeface="Times New Roman" panose="02020603050405020304" pitchFamily="18" charset="0"/>
+              <a:cs typeface="Times New Roman" panose="02020603050405020304" pitchFamily="18" charset="0"/>
+            </a:endParaRPr>
+          </a:p>
+          <a:p>
+            <a:pPr marL="571500" lvl="0" indent="-457200">
+              <a:buFont typeface="+mj-lt"/>
+              <a:buAutoNum type="arabicPeriod"/>
+            </a:pPr>
+            <a:r>
+              <a:rPr lang="en-GB" sz="2000" dirty="0">
+                <a:latin typeface="Times New Roman" panose="02020603050405020304" pitchFamily="18" charset="0"/>
+                <a:cs typeface="Times New Roman" panose="02020603050405020304" pitchFamily="18" charset="0"/>
+              </a:rPr>
+              <a:t>Study of the Mathematical concepts behind the model</a:t>
+            </a:r>
+            <a:endParaRPr lang="en-IN" sz="2000" dirty="0">
+              <a:latin typeface="Times New Roman" panose="02020603050405020304" pitchFamily="18" charset="0"/>
+              <a:cs typeface="Times New Roman" panose="02020603050405020304" pitchFamily="18" charset="0"/>
+            </a:endParaRPr>
+          </a:p>
+          <a:p>
+            <a:pPr marL="571500" lvl="0" indent="-457200">
+              <a:buFont typeface="+mj-lt"/>
+              <a:buAutoNum type="arabicPeriod"/>
+            </a:pPr>
+            <a:r>
+              <a:rPr lang="en-GB" sz="2000" dirty="0">
+                <a:latin typeface="Times New Roman" panose="02020603050405020304" pitchFamily="18" charset="0"/>
+                <a:cs typeface="Times New Roman" panose="02020603050405020304" pitchFamily="18" charset="0"/>
+              </a:rPr>
+              <a:t>Creation of Model using python and various python libraries as well as studying the various functions used in the model</a:t>
+            </a:r>
+            <a:endParaRPr lang="en-IN" sz="2000" dirty="0">
+              <a:latin typeface="Times New Roman" panose="02020603050405020304" pitchFamily="18" charset="0"/>
+              <a:cs typeface="Times New Roman" panose="02020603050405020304" pitchFamily="18" charset="0"/>
+            </a:endParaRPr>
+          </a:p>
+          <a:p>
+            <a:pPr marL="571500" lvl="0" indent="-457200">
+              <a:buFont typeface="+mj-lt"/>
+              <a:buAutoNum type="arabicPeriod"/>
+            </a:pPr>
+            <a:r>
+              <a:rPr lang="en-GB" sz="2000" dirty="0">
+                <a:latin typeface="Times New Roman" panose="02020603050405020304" pitchFamily="18" charset="0"/>
+                <a:cs typeface="Times New Roman" panose="02020603050405020304" pitchFamily="18" charset="0"/>
+              </a:rPr>
+              <a:t>Training, Testing and Validation of the Model and Calculation of Error Values</a:t>
+            </a:r>
+            <a:endParaRPr lang="en-IN" sz="2000" dirty="0">
+              <a:latin typeface="Times New Roman" panose="02020603050405020304" pitchFamily="18" charset="0"/>
+              <a:cs typeface="Times New Roman" panose="02020603050405020304" pitchFamily="18" charset="0"/>
+            </a:endParaRPr>
+          </a:p>
+          <a:p>
+            <a:pPr marL="571500" lvl="0" indent="-457200">
+              <a:buFont typeface="+mj-lt"/>
+              <a:buAutoNum type="arabicPeriod"/>
+            </a:pPr>
+            <a:r>
+              <a:rPr lang="en-GB" sz="2000" dirty="0">
+                <a:latin typeface="Times New Roman" panose="02020603050405020304" pitchFamily="18" charset="0"/>
+                <a:cs typeface="Times New Roman" panose="02020603050405020304" pitchFamily="18" charset="0"/>
+              </a:rPr>
+              <a:t>Final Project Report and Submission</a:t>
+            </a:r>
+            <a:endParaRPr lang="en-IN" sz="2000" dirty="0">
+              <a:latin typeface="Times New Roman" panose="02020603050405020304" pitchFamily="18" charset="0"/>
+              <a:cs typeface="Times New Roman" panose="02020603050405020304" pitchFamily="18" charset="0"/>
+            </a:endParaRPr>
+          </a:p>
+          <a:p>
+            <a:pPr marL="133350" marR="63500" lvl="0" indent="0" algn="just">
               <a:lnSpc>
                 <a:spcPct val="103000"/>
               </a:lnSpc>
@@ -21907,178 +22301,8 @@
                 <a:spcPts val="0"/>
               </a:spcBef>
               <a:buSzPts val="1500"/>
-              <a:buFont typeface="+mj-lt"/>
-              <a:buAutoNum type="arabicPeriod"/>
+              <a:buNone/>
             </a:pPr>
-            <a:r>
-              <a:rPr lang="en-US" sz="2000" dirty="0">
-                <a:latin typeface="Times New Roman" panose="02020603050405020304" pitchFamily="18" charset="0"/>
-                <a:ea typeface="Cambria" panose="02040503050406030204" pitchFamily="18" charset="0"/>
-                <a:cs typeface="Times New Roman" panose="02020603050405020304" pitchFamily="18" charset="0"/>
-                <a:sym typeface="Georgia"/>
-              </a:rPr>
-              <a:t>Study of Basics of Time-Series Analysis and Fundamentals of Trading</a:t>
-            </a:r>
-          </a:p>
-          <a:p>
-            <a:pPr marL="590550" marR="63500" lvl="0" indent="-457200" algn="just">
-              <a:lnSpc>
-                <a:spcPct val="103000"/>
-              </a:lnSpc>
-              <a:spcBef>
-                <a:spcPts val="0"/>
-              </a:spcBef>
-              <a:buSzPts val="1500"/>
-              <a:buFont typeface="+mj-lt"/>
-              <a:buAutoNum type="arabicPeriod"/>
-            </a:pPr>
-            <a:r>
-              <a:rPr lang="en-US" sz="2000" dirty="0">
-                <a:latin typeface="Times New Roman" panose="02020603050405020304" pitchFamily="18" charset="0"/>
-                <a:ea typeface="Cambria" panose="02040503050406030204" pitchFamily="18" charset="0"/>
-                <a:cs typeface="Times New Roman" panose="02020603050405020304" pitchFamily="18" charset="0"/>
-                <a:sym typeface="Georgia"/>
-              </a:rPr>
-              <a:t>Collecting of Dataset and Data-set Pre-Processing &amp; Normalization</a:t>
-            </a:r>
-          </a:p>
-          <a:p>
-            <a:pPr marL="590550" marR="63500" lvl="0" indent="-457200" algn="just">
-              <a:lnSpc>
-                <a:spcPct val="103000"/>
-              </a:lnSpc>
-              <a:spcBef>
-                <a:spcPts val="0"/>
-              </a:spcBef>
-              <a:buSzPts val="1500"/>
-              <a:buFont typeface="+mj-lt"/>
-              <a:buAutoNum type="arabicPeriod"/>
-            </a:pPr>
-            <a:r>
-              <a:rPr lang="en-US" sz="2000" dirty="0">
-                <a:latin typeface="Times New Roman" panose="02020603050405020304" pitchFamily="18" charset="0"/>
-                <a:ea typeface="Cambria" panose="02040503050406030204" pitchFamily="18" charset="0"/>
-                <a:cs typeface="Times New Roman" panose="02020603050405020304" pitchFamily="18" charset="0"/>
-                <a:sym typeface="Georgia"/>
-              </a:rPr>
-              <a:t>Study of Different Time-Series Models and Selection of Model</a:t>
-            </a:r>
-          </a:p>
-          <a:p>
-            <a:pPr marL="590550" marR="63500" lvl="0" indent="-457200" algn="just">
-              <a:lnSpc>
-                <a:spcPct val="103000"/>
-              </a:lnSpc>
-              <a:spcBef>
-                <a:spcPts val="0"/>
-              </a:spcBef>
-              <a:buSzPts val="1500"/>
-              <a:buFont typeface="+mj-lt"/>
-              <a:buAutoNum type="arabicPeriod"/>
-            </a:pPr>
-            <a:r>
-              <a:rPr lang="en-US" sz="2000" dirty="0">
-                <a:latin typeface="Times New Roman" panose="02020603050405020304" pitchFamily="18" charset="0"/>
-                <a:ea typeface="Cambria" panose="02040503050406030204" pitchFamily="18" charset="0"/>
-                <a:cs typeface="Times New Roman" panose="02020603050405020304" pitchFamily="18" charset="0"/>
-                <a:sym typeface="Georgia"/>
-              </a:rPr>
-              <a:t>Study of the Mathematical concepts behind the model</a:t>
-            </a:r>
-          </a:p>
-          <a:p>
-            <a:pPr marL="590550" marR="63500" lvl="0" indent="-457200" algn="just">
-              <a:lnSpc>
-                <a:spcPct val="103000"/>
-              </a:lnSpc>
-              <a:spcBef>
-                <a:spcPts val="0"/>
-              </a:spcBef>
-              <a:buSzPts val="1500"/>
-              <a:buFont typeface="+mj-lt"/>
-              <a:buAutoNum type="arabicPeriod"/>
-            </a:pPr>
-            <a:r>
-              <a:rPr lang="en-US" sz="2000" dirty="0">
-                <a:latin typeface="Times New Roman" panose="02020603050405020304" pitchFamily="18" charset="0"/>
-                <a:ea typeface="Cambria" panose="02040503050406030204" pitchFamily="18" charset="0"/>
-                <a:cs typeface="Times New Roman" panose="02020603050405020304" pitchFamily="18" charset="0"/>
-                <a:sym typeface="Georgia"/>
-              </a:rPr>
-              <a:t>Creation of Model using python and various python libraries as well as studying the various functions used in the model</a:t>
-            </a:r>
-          </a:p>
-          <a:p>
-            <a:pPr marL="590550" marR="63500" lvl="0" indent="-457200" algn="just">
-              <a:lnSpc>
-                <a:spcPct val="103000"/>
-              </a:lnSpc>
-              <a:spcBef>
-                <a:spcPts val="0"/>
-              </a:spcBef>
-              <a:buSzPts val="1500"/>
-              <a:buFont typeface="+mj-lt"/>
-              <a:buAutoNum type="arabicPeriod"/>
-            </a:pPr>
-            <a:r>
-              <a:rPr lang="en-US" sz="2000" dirty="0">
-                <a:latin typeface="Times New Roman" panose="02020603050405020304" pitchFamily="18" charset="0"/>
-                <a:ea typeface="Cambria" panose="02040503050406030204" pitchFamily="18" charset="0"/>
-                <a:cs typeface="Times New Roman" panose="02020603050405020304" pitchFamily="18" charset="0"/>
-                <a:sym typeface="Georgia"/>
-              </a:rPr>
-              <a:t>Training and Testing of the Model</a:t>
-            </a:r>
-          </a:p>
-          <a:p>
-            <a:pPr marL="590550" marR="63500" lvl="0" indent="-457200" algn="just">
-              <a:lnSpc>
-                <a:spcPct val="103000"/>
-              </a:lnSpc>
-              <a:spcBef>
-                <a:spcPts val="0"/>
-              </a:spcBef>
-              <a:buSzPts val="1500"/>
-              <a:buFont typeface="+mj-lt"/>
-              <a:buAutoNum type="arabicPeriod"/>
-            </a:pPr>
-            <a:r>
-              <a:rPr lang="en-US" sz="2000" dirty="0">
-                <a:latin typeface="Times New Roman" panose="02020603050405020304" pitchFamily="18" charset="0"/>
-                <a:ea typeface="Cambria" panose="02040503050406030204" pitchFamily="18" charset="0"/>
-                <a:cs typeface="Times New Roman" panose="02020603050405020304" pitchFamily="18" charset="0"/>
-                <a:sym typeface="Georgia"/>
-              </a:rPr>
-              <a:t>Prediction of Stock Market Prices and Validation</a:t>
-            </a:r>
-          </a:p>
-          <a:p>
-            <a:pPr marL="590550" lvl="0" indent="-457200" algn="just">
-              <a:spcBef>
-                <a:spcPts val="0"/>
-              </a:spcBef>
-              <a:buSzPts val="1500"/>
-              <a:buFont typeface="+mj-lt"/>
-              <a:buAutoNum type="arabicPeriod"/>
-            </a:pPr>
-            <a:r>
-              <a:rPr lang="en-US" sz="2000" dirty="0">
-                <a:latin typeface="Times New Roman" panose="02020603050405020304" pitchFamily="18" charset="0"/>
-                <a:ea typeface="Cambria" panose="02040503050406030204" pitchFamily="18" charset="0"/>
-                <a:cs typeface="Times New Roman" panose="02020603050405020304" pitchFamily="18" charset="0"/>
-                <a:sym typeface="Georgia"/>
-              </a:rPr>
-              <a:t>Final Project Report and </a:t>
-            </a:r>
-            <a:r>
-              <a:rPr lang="en-US" sz="2000" dirty="0" smtClean="0">
-                <a:latin typeface="Times New Roman" panose="02020603050405020304" pitchFamily="18" charset="0"/>
-                <a:ea typeface="Cambria" panose="02040503050406030204" pitchFamily="18" charset="0"/>
-                <a:cs typeface="Times New Roman" panose="02020603050405020304" pitchFamily="18" charset="0"/>
-                <a:sym typeface="Georgia"/>
-              </a:rPr>
-              <a:t>Submission</a:t>
-            </a:r>
             <a:endParaRPr lang="en-US" sz="2000" dirty="0">
               <a:latin typeface="Times New Roman" panose="02020603050405020304" pitchFamily="18" charset="0"/>
               <a:ea typeface="Cambria" panose="02040503050406030204" pitchFamily="18" charset="0"/>
@@ -22128,7 +22352,7 @@
             </a:pPr>
             <a:fld id="{A25D89A6-5438-433F-B207-97557CB9BBF5}" type="datetime2">
               <a:rPr lang="en-US" smtClean="0"/>
-              <a:t>Thursday, June 25, 2020</a:t>
+              <a:t>Monday, June 29, 2020</a:t>
             </a:fld>
             <a:endParaRPr/>
           </a:p>
@@ -22495,7 +22719,7 @@
       </p:sp>
       <p:pic>
         <p:nvPicPr>
-          <p:cNvPr id="2" name="Picture 1"/>
+          <p:cNvPr id="7" name="Picture 6"/>
           <p:cNvPicPr>
             <a:picLocks noChangeAspect="1"/>
           </p:cNvPicPr>
@@ -22509,8 +22733,8 @@
         </p:blipFill>
         <p:spPr>
           <a:xfrm>
-            <a:off x="728870" y="2208629"/>
-            <a:ext cx="7957930" cy="4147721"/>
+            <a:off x="533398" y="1974574"/>
+            <a:ext cx="8153401" cy="4381776"/>
           </a:xfrm>
           <a:prstGeom prst="rect">
             <a:avLst/>
